--- a/Data_miniproject.pptx
+++ b/Data_miniproject.pptx
@@ -106,7 +106,41 @@
       </a:defRPr>
     </a:lvl9pPr>
   </p:defaultTextStyle>
+  <p:extLst>
+    <p:ext uri="{EFAFB233-063F-42B5-8137-9DF3F51BA10A}">
+      <p15:sldGuideLst xmlns:p15="http://schemas.microsoft.com/office/powerpoint/2012/main"/>
+    </p:ext>
+  </p:extLst>
 </p:presentation>
+</file>
+
+<file path=ppt/changesInfos/changesInfo1.xml><?xml version="1.0" encoding="utf-8"?>
+<pc:chgInfo xmlns:a="http://schemas.openxmlformats.org/drawingml/2006/main" xmlns:r="http://schemas.openxmlformats.org/officeDocument/2006/relationships" xmlns:ac="http://schemas.microsoft.com/office/drawing/2013/main/command" xmlns:pc="http://schemas.microsoft.com/office/powerpoint/2013/main/command">
+  <pc:docChgLst>
+    <pc:chgData name="Sofia Gruk" userId="9ba5471dffb5b2a3" providerId="LiveId" clId="{5BFE64A0-83EA-421A-8DF3-B9859920E8E4}"/>
+    <pc:docChg chg="custSel modSld">
+      <pc:chgData name="Sofia Gruk" userId="9ba5471dffb5b2a3" providerId="LiveId" clId="{5BFE64A0-83EA-421A-8DF3-B9859920E8E4}" dt="2023-10-25T12:54:47.163" v="32" actId="20577"/>
+      <pc:docMkLst>
+        <pc:docMk/>
+      </pc:docMkLst>
+      <pc:sldChg chg="modSp mod">
+        <pc:chgData name="Sofia Gruk" userId="9ba5471dffb5b2a3" providerId="LiveId" clId="{5BFE64A0-83EA-421A-8DF3-B9859920E8E4}" dt="2023-10-25T12:54:47.163" v="32" actId="20577"/>
+        <pc:sldMkLst>
+          <pc:docMk/>
+          <pc:sldMk cId="353447206" sldId="256"/>
+        </pc:sldMkLst>
+        <pc:spChg chg="mod">
+          <ac:chgData name="Sofia Gruk" userId="9ba5471dffb5b2a3" providerId="LiveId" clId="{5BFE64A0-83EA-421A-8DF3-B9859920E8E4}" dt="2023-10-25T12:54:47.163" v="32" actId="20577"/>
+          <ac:spMkLst>
+            <pc:docMk/>
+            <pc:sldMk cId="353447206" sldId="256"/>
+            <ac:spMk id="3" creationId="{1328DE22-5B6F-B4ED-DA12-4B45529CAE49}"/>
+          </ac:spMkLst>
+        </pc:spChg>
+      </pc:sldChg>
+    </pc:docChg>
+  </pc:docChgLst>
+</pc:chgInfo>
 </file>
 
 <file path=ppt/slideLayouts/slideLayout1.xml><?xml version="1.0" encoding="utf-8"?>
@@ -347,7 +381,7 @@
           <a:p>
             <a:fld id="{ED291B17-9318-49DB-B28B-6E5994AE9581}" type="datetime1">
               <a:rPr lang="en-US" smtClean="0"/>
-              <a:t>10/11/2023</a:t>
+              <a:t>10/25/2023</a:t>
             </a:fld>
             <a:endParaRPr lang="en-US" dirty="0"/>
           </a:p>
@@ -550,7 +584,7 @@
           <a:p>
             <a:fld id="{2CED4963-E985-44C4-B8C4-FDD613B7C2F8}" type="datetime1">
               <a:rPr lang="en-US" smtClean="0"/>
-              <a:t>10/11/2023</a:t>
+              <a:t>10/25/2023</a:t>
             </a:fld>
             <a:endParaRPr lang="en-US" dirty="0"/>
           </a:p>
@@ -912,7 +946,7 @@
           <a:p>
             <a:fld id="{ED291B17-9318-49DB-B28B-6E5994AE9581}" type="datetime1">
               <a:rPr lang="en-US" smtClean="0"/>
-              <a:t>10/11/2023</a:t>
+              <a:t>10/25/2023</a:t>
             </a:fld>
             <a:endParaRPr lang="en-US" dirty="0"/>
           </a:p>
@@ -1110,7 +1144,7 @@
           <a:p>
             <a:fld id="{78DD82B9-B8EE-4375-B6FF-88FA6ABB15D9}" type="datetime1">
               <a:rPr lang="en-US" smtClean="0"/>
-              <a:t>10/11/2023</a:t>
+              <a:t>10/25/2023</a:t>
             </a:fld>
             <a:endParaRPr lang="en-US" dirty="0"/>
           </a:p>
@@ -1422,7 +1456,7 @@
           <a:p>
             <a:fld id="{B2497495-0637-405E-AE64-5CC7506D51F5}" type="datetime1">
               <a:rPr lang="en-US" smtClean="0"/>
-              <a:t>10/11/2023</a:t>
+              <a:t>10/25/2023</a:t>
             </a:fld>
             <a:endParaRPr lang="en-US" dirty="0"/>
           </a:p>
@@ -1675,7 +1709,7 @@
           <a:p>
             <a:fld id="{7BFFD690-9426-415D-8B65-26881E07B2D4}" type="datetime1">
               <a:rPr lang="en-US" smtClean="0"/>
-              <a:t>10/11/2023</a:t>
+              <a:t>10/25/2023</a:t>
             </a:fld>
             <a:endParaRPr lang="en-US" dirty="0"/>
           </a:p>
@@ -2097,7 +2131,7 @@
           <a:p>
             <a:fld id="{04C4989A-474C-40DE-95B9-011C28B71673}" type="datetime1">
               <a:rPr lang="en-US" smtClean="0"/>
-              <a:t>10/11/2023</a:t>
+              <a:t>10/25/2023</a:t>
             </a:fld>
             <a:endParaRPr lang="en-US" dirty="0"/>
           </a:p>
@@ -2220,7 +2254,7 @@
           <a:p>
             <a:fld id="{5DB4ED54-5B5E-4A04-93D3-5772E3CE3818}" type="datetime1">
               <a:rPr lang="en-US" smtClean="0"/>
-              <a:t>10/11/2023</a:t>
+              <a:t>10/25/2023</a:t>
             </a:fld>
             <a:endParaRPr lang="en-US" dirty="0"/>
           </a:p>
@@ -2315,7 +2349,7 @@
           <a:p>
             <a:fld id="{4EDE50D6-574B-40AF-946F-D52A04ADE379}" type="datetime1">
               <a:rPr lang="en-US" smtClean="0"/>
-              <a:t>10/11/2023</a:t>
+              <a:t>10/25/2023</a:t>
             </a:fld>
             <a:endParaRPr lang="en-US" dirty="0"/>
           </a:p>
@@ -2692,7 +2726,7 @@
           <a:p>
             <a:fld id="{D82884F1-FFEA-405F-9602-3DCA865EDA4E}" type="datetime1">
               <a:rPr lang="en-US" smtClean="0"/>
-              <a:t>10/11/2023</a:t>
+              <a:t>10/25/2023</a:t>
             </a:fld>
             <a:endParaRPr lang="en-US" dirty="0"/>
           </a:p>
@@ -2985,7 +3019,7 @@
           <a:p>
             <a:fld id="{7E18DB4A-8810-4A10-AD5C-D5E2C667F5B3}" type="datetime1">
               <a:rPr lang="en-US" smtClean="0"/>
-              <a:t>10/11/2023</a:t>
+              <a:t>10/25/2023</a:t>
             </a:fld>
             <a:endParaRPr lang="en-US" dirty="0"/>
           </a:p>
@@ -3200,7 +3234,7 @@
           <a:p>
             <a:fld id="{ED291B17-9318-49DB-B28B-6E5994AE9581}" type="datetime1">
               <a:rPr lang="en-US" smtClean="0"/>
-              <a:t>10/11/2023</a:t>
+              <a:t>10/25/2023</a:t>
             </a:fld>
             <a:endParaRPr lang="en-US" dirty="0"/>
           </a:p>
@@ -4422,9 +4456,50 @@
         </p:spPr>
         <p:txBody>
           <a:bodyPr vert="horz" lIns="91440" tIns="45720" rIns="91440" bIns="45720" rtlCol="0" anchor="t">
-            <a:normAutofit lnSpcReduction="10000"/>
+            <a:normAutofit/>
           </a:bodyPr>
           <a:lstStyle/>
+          <a:p>
+            <a:pPr>
+              <a:buFont typeface="Wingdings 2" panose="05020102010507070707" pitchFamily="18" charset="2"/>
+              <a:buChar char=""/>
+            </a:pPr>
+            <a:r>
+              <a:rPr lang="en-US" dirty="0">
+                <a:solidFill>
+                  <a:srgbClr val="FFFFFF"/>
+                </a:solidFill>
+              </a:rPr>
+              <a:t>SOFIA </a:t>
+            </a:r>
+            <a:r>
+              <a:rPr lang="en-US" dirty="0" err="1">
+                <a:solidFill>
+                  <a:srgbClr val="FFFFFF"/>
+                </a:solidFill>
+              </a:rPr>
+              <a:t>gRUK</a:t>
+            </a:r>
+            <a:endParaRPr lang="en-US" dirty="0">
+              <a:solidFill>
+                <a:srgbClr val="FFFFFF"/>
+              </a:solidFill>
+            </a:endParaRPr>
+          </a:p>
+          <a:p>
+            <a:pPr>
+              <a:buFont typeface="Wingdings 2" panose="05020102010507070707" pitchFamily="18" charset="2"/>
+              <a:buChar char=""/>
+            </a:pPr>
+            <a:r>
+              <a:rPr lang="en-US" dirty="0">
+                <a:solidFill>
+                  <a:srgbClr val="FFFFFF"/>
+                </a:solidFill>
+              </a:rPr>
+              <a:t>MITJA SAINIO</a:t>
+            </a:r>
+          </a:p>
           <a:p>
             <a:pPr>
               <a:buFont typeface="Wingdings 2" panose="05020102010507070707" pitchFamily="18" charset="2"/>
@@ -4446,66 +4521,6 @@
               </a:rPr>
               <a:t>Zolotilin</a:t>
             </a:r>
-            <a:endParaRPr lang="en-US" dirty="0">
-              <a:solidFill>
-                <a:srgbClr val="FFFFFF"/>
-              </a:solidFill>
-            </a:endParaRPr>
-          </a:p>
-          <a:p>
-            <a:pPr>
-              <a:buFont typeface="Wingdings 2" panose="05020102010507070707" pitchFamily="18" charset="2"/>
-              <a:buChar char=""/>
-            </a:pPr>
-            <a:r>
-              <a:rPr lang="en-US" dirty="0">
-                <a:solidFill>
-                  <a:srgbClr val="FFFFFF"/>
-                </a:solidFill>
-              </a:rPr>
-              <a:t>Sofia Gruk</a:t>
-            </a:r>
-          </a:p>
-          <a:p>
-            <a:pPr>
-              <a:buFont typeface="Wingdings 2" panose="05020102010507070707" pitchFamily="18" charset="2"/>
-              <a:buChar char=""/>
-            </a:pPr>
-            <a:r>
-              <a:rPr lang="en-US" dirty="0" err="1">
-                <a:solidFill>
-                  <a:srgbClr val="FFFFFF"/>
-                </a:solidFill>
-              </a:rPr>
-              <a:t>Mitja</a:t>
-            </a:r>
-            <a:r>
-              <a:rPr lang="en-US" dirty="0">
-                <a:solidFill>
-                  <a:srgbClr val="FFFFFF"/>
-                </a:solidFill>
-              </a:rPr>
-              <a:t> </a:t>
-            </a:r>
-            <a:r>
-              <a:rPr lang="en-US" dirty="0" err="1">
-                <a:solidFill>
-                  <a:srgbClr val="FFFFFF"/>
-                </a:solidFill>
-              </a:rPr>
-              <a:t>Sainio</a:t>
-            </a:r>
-            <a:endParaRPr lang="en-US" dirty="0">
-              <a:solidFill>
-                <a:srgbClr val="FFFFFF"/>
-              </a:solidFill>
-            </a:endParaRPr>
-          </a:p>
-          <a:p>
-            <a:pPr>
-              <a:buFont typeface="Wingdings 2" panose="05020102010507070707" pitchFamily="18" charset="2"/>
-              <a:buChar char=""/>
-            </a:pPr>
             <a:endParaRPr lang="en-US" dirty="0">
               <a:solidFill>
                 <a:srgbClr val="FFFFFF"/>
